--- a/Semana_0/Tips para realizar informes en formato IEEE.pptx
+++ b/Semana_0/Tips para realizar informes en formato IEEE.pptx
@@ -25,10 +25,9 @@
     <p:sldId id="274" r:id="rId22"/>
     <p:sldId id="267" r:id="rId23"/>
     <p:sldId id="273" r:id="rId24"/>
-    <p:sldId id="283" r:id="rId25"/>
-    <p:sldId id="268" r:id="rId26"/>
-    <p:sldId id="271" r:id="rId27"/>
-    <p:sldId id="270" r:id="rId28"/>
+    <p:sldId id="268" r:id="rId25"/>
+    <p:sldId id="271" r:id="rId26"/>
+    <p:sldId id="270" r:id="rId27"/>
   </p:sldIdLst>
   <p:sldSz cx="12192000" cy="6858000"/>
   <p:notesSz cx="6858000" cy="9144000"/>
@@ -135,14 +134,6 @@
 </p:presentation>
 </file>
 
-<file path=ppt/revisionInfo.xml><?xml version="1.0" encoding="utf-8"?>
-<p1510:revInfo xmlns:a="http://schemas.openxmlformats.org/drawingml/2006/main" xmlns:r="http://schemas.openxmlformats.org/officeDocument/2006/relationships" xmlns:p1510="http://schemas.microsoft.com/office/powerpoint/2015/10/main">
-  <p1510:revLst>
-    <p1510:client id="{99347F2D-5849-4598-A6E9-2720224EFB16}" v="2" dt="2022-01-21T20:00:19.794"/>
-  </p1510:revLst>
-</p1510:revInfo>
-</file>
-
 <file path=ppt/changesInfos/changesInfo1.xml><?xml version="1.0" encoding="utf-8"?>
 <pc:chgInfo xmlns:a="http://schemas.openxmlformats.org/drawingml/2006/main" xmlns:r="http://schemas.openxmlformats.org/officeDocument/2006/relationships" xmlns:ac="http://schemas.microsoft.com/office/drawing/2013/main/command" xmlns:pc="http://schemas.microsoft.com/office/powerpoint/2013/main/command">
   <pc:docChgLst>
@@ -158,14 +149,6 @@
           <pc:docMk/>
           <pc:sldMk cId="1485988773" sldId="256"/>
         </pc:sldMkLst>
-        <pc:spChg chg="mod">
-          <ac:chgData name="Jheyson Fabian Villavisan Buitrago" userId="b9abc243-2adc-4788-8ef1-b07bec73deff" providerId="ADAL" clId="{7A7A5CFE-C2C7-4D89-B29C-EE30DD4FE133}" dt="2021-08-10T15:32:00.863" v="35" actId="20577"/>
-          <ac:spMkLst>
-            <pc:docMk/>
-            <pc:sldMk cId="1485988773" sldId="256"/>
-            <ac:spMk id="9" creationId="{D00E91F1-4784-4297-B120-4B95E448EF0F}"/>
-          </ac:spMkLst>
-        </pc:spChg>
       </pc:sldChg>
     </pc:docChg>
   </pc:docChgLst>
@@ -182,8 +165,112 @@
           <pc:docMk/>
           <pc:sldMk cId="2343438529" sldId="262"/>
         </pc:sldMkLst>
+      </pc:sldChg>
+      <pc:sldChg chg="modSp mod">
+        <pc:chgData name="Jheyson Fabian Villavisan Buitrago" userId="b9abc243-2adc-4788-8ef1-b07bec73deff" providerId="ADAL" clId="{99347F2D-5849-4598-A6E9-2720224EFB16}" dt="2022-01-21T20:03:28.466" v="133"/>
+        <pc:sldMkLst>
+          <pc:docMk/>
+          <pc:sldMk cId="3144010533" sldId="263"/>
+        </pc:sldMkLst>
+      </pc:sldChg>
+      <pc:sldChg chg="modSp mod">
+        <pc:chgData name="Jheyson Fabian Villavisan Buitrago" userId="b9abc243-2adc-4788-8ef1-b07bec73deff" providerId="ADAL" clId="{99347F2D-5849-4598-A6E9-2720224EFB16}" dt="2022-01-21T20:01:58.275" v="90" actId="113"/>
+        <pc:sldMkLst>
+          <pc:docMk/>
+          <pc:sldMk cId="2577077687" sldId="269"/>
+        </pc:sldMkLst>
+      </pc:sldChg>
+      <pc:sldChg chg="addSp delSp modSp mod ord setBg">
+        <pc:chgData name="Jheyson Fabian Villavisan Buitrago" userId="b9abc243-2adc-4788-8ef1-b07bec73deff" providerId="ADAL" clId="{99347F2D-5849-4598-A6E9-2720224EFB16}" dt="2022-01-21T20:01:28.093" v="89" actId="20577"/>
+        <pc:sldMkLst>
+          <pc:docMk/>
+          <pc:sldMk cId="1141780119" sldId="278"/>
+        </pc:sldMkLst>
+      </pc:sldChg>
+      <pc:sldChg chg="modSp mod">
+        <pc:chgData name="Jheyson Fabian Villavisan Buitrago" userId="b9abc243-2adc-4788-8ef1-b07bec73deff" providerId="ADAL" clId="{99347F2D-5849-4598-A6E9-2720224EFB16}" dt="2022-01-21T19:58:39.064" v="43" actId="1076"/>
+        <pc:sldMkLst>
+          <pc:docMk/>
+          <pc:sldMk cId="481447682" sldId="280"/>
+        </pc:sldMkLst>
+      </pc:sldChg>
+      <pc:sldChg chg="modSp mod">
+        <pc:chgData name="Jheyson Fabian Villavisan Buitrago" userId="b9abc243-2adc-4788-8ef1-b07bec73deff" providerId="ADAL" clId="{99347F2D-5849-4598-A6E9-2720224EFB16}" dt="2022-01-21T19:51:30.076" v="27" actId="20577"/>
+        <pc:sldMkLst>
+          <pc:docMk/>
+          <pc:sldMk cId="2124966806" sldId="285"/>
+        </pc:sldMkLst>
+      </pc:sldChg>
+      <pc:sldChg chg="modSp mod">
+        <pc:chgData name="Jheyson Fabian Villavisan Buitrago" userId="b9abc243-2adc-4788-8ef1-b07bec73deff" providerId="ADAL" clId="{99347F2D-5849-4598-A6E9-2720224EFB16}" dt="2022-01-21T19:53:34.642" v="29" actId="1076"/>
+        <pc:sldMkLst>
+          <pc:docMk/>
+          <pc:sldMk cId="3830290964" sldId="286"/>
+        </pc:sldMkLst>
+      </pc:sldChg>
+      <pc:sldChg chg="delSp modSp add mod">
+        <pc:chgData name="Jheyson Fabian Villavisan Buitrago" userId="b9abc243-2adc-4788-8ef1-b07bec73deff" providerId="ADAL" clId="{99347F2D-5849-4598-A6E9-2720224EFB16}" dt="2022-01-21T20:01:22.351" v="79" actId="20577"/>
+        <pc:sldMkLst>
+          <pc:docMk/>
+          <pc:sldMk cId="1943067557" sldId="288"/>
+        </pc:sldMkLst>
+      </pc:sldChg>
+    </pc:docChg>
+  </pc:docChgLst>
+  <pc:docChgLst>
+    <pc:chgData name="JHEYSON FABIAN VILLAVISAN BUITRAGO" userId="e5ced5c2-d787-455d-b115-4f08a699b8c8" providerId="ADAL" clId="{88C1A0F8-E535-4C1D-8327-968D0E2C07B0}"/>
+    <pc:docChg chg="custSel delSld modSld sldOrd">
+      <pc:chgData name="JHEYSON FABIAN VILLAVISAN BUITRAGO" userId="e5ced5c2-d787-455d-b115-4f08a699b8c8" providerId="ADAL" clId="{88C1A0F8-E535-4C1D-8327-968D0E2C07B0}" dt="2025-01-23T14:05:42.647" v="28" actId="20577"/>
+      <pc:docMkLst>
+        <pc:docMk/>
+      </pc:docMkLst>
+      <pc:sldChg chg="addSp delSp modSp mod">
+        <pc:chgData name="JHEYSON FABIAN VILLAVISAN BUITRAGO" userId="e5ced5c2-d787-455d-b115-4f08a699b8c8" providerId="ADAL" clId="{88C1A0F8-E535-4C1D-8327-968D0E2C07B0}" dt="2025-01-23T14:05:42.647" v="28" actId="20577"/>
+        <pc:sldMkLst>
+          <pc:docMk/>
+          <pc:sldMk cId="1485988773" sldId="256"/>
+        </pc:sldMkLst>
         <pc:spChg chg="mod">
-          <ac:chgData name="Jheyson Fabian Villavisan Buitrago" userId="b9abc243-2adc-4788-8ef1-b07bec73deff" providerId="ADAL" clId="{99347F2D-5849-4598-A6E9-2720224EFB16}" dt="2022-01-21T19:48:35.341" v="13" actId="113"/>
+          <ac:chgData name="JHEYSON FABIAN VILLAVISAN BUITRAGO" userId="e5ced5c2-d787-455d-b115-4f08a699b8c8" providerId="ADAL" clId="{88C1A0F8-E535-4C1D-8327-968D0E2C07B0}" dt="2025-01-23T14:05:42.647" v="28" actId="20577"/>
+          <ac:spMkLst>
+            <pc:docMk/>
+            <pc:sldMk cId="1485988773" sldId="256"/>
+            <ac:spMk id="2" creationId="{63AB32B8-54BB-4B70-9334-4CFB1EB84822}"/>
+          </ac:spMkLst>
+        </pc:spChg>
+        <pc:spChg chg="add del mod">
+          <ac:chgData name="JHEYSON FABIAN VILLAVISAN BUITRAGO" userId="e5ced5c2-d787-455d-b115-4f08a699b8c8" providerId="ADAL" clId="{88C1A0F8-E535-4C1D-8327-968D0E2C07B0}" dt="2025-01-23T13:57:51.888" v="2" actId="478"/>
+          <ac:spMkLst>
+            <pc:docMk/>
+            <pc:sldMk cId="1485988773" sldId="256"/>
+            <ac:spMk id="4" creationId="{E8BCF6FE-DD55-BAA2-E83A-7572CAD2F9BB}"/>
+          </ac:spMkLst>
+        </pc:spChg>
+        <pc:spChg chg="del">
+          <ac:chgData name="JHEYSON FABIAN VILLAVISAN BUITRAGO" userId="e5ced5c2-d787-455d-b115-4f08a699b8c8" providerId="ADAL" clId="{88C1A0F8-E535-4C1D-8327-968D0E2C07B0}" dt="2025-01-23T13:57:48.281" v="0" actId="478"/>
+          <ac:spMkLst>
+            <pc:docMk/>
+            <pc:sldMk cId="1485988773" sldId="256"/>
+            <ac:spMk id="9" creationId="{D00E91F1-4784-4297-B120-4B95E448EF0F}"/>
+          </ac:spMkLst>
+        </pc:spChg>
+        <pc:picChg chg="del">
+          <ac:chgData name="JHEYSON FABIAN VILLAVISAN BUITRAGO" userId="e5ced5c2-d787-455d-b115-4f08a699b8c8" providerId="ADAL" clId="{88C1A0F8-E535-4C1D-8327-968D0E2C07B0}" dt="2025-01-23T13:57:49.055" v="1" actId="478"/>
+          <ac:picMkLst>
+            <pc:docMk/>
+            <pc:sldMk cId="1485988773" sldId="256"/>
+            <ac:picMk id="5" creationId="{A7977B5B-B83F-47ED-ABCD-63BA17F9B7F3}"/>
+          </ac:picMkLst>
+        </pc:picChg>
+      </pc:sldChg>
+      <pc:sldChg chg="modSp mod">
+        <pc:chgData name="JHEYSON FABIAN VILLAVISAN BUITRAGO" userId="e5ced5c2-d787-455d-b115-4f08a699b8c8" providerId="ADAL" clId="{88C1A0F8-E535-4C1D-8327-968D0E2C07B0}" dt="2025-01-23T13:59:22.319" v="3" actId="20577"/>
+        <pc:sldMkLst>
+          <pc:docMk/>
+          <pc:sldMk cId="2343438529" sldId="262"/>
+        </pc:sldMkLst>
+        <pc:spChg chg="mod">
+          <ac:chgData name="JHEYSON FABIAN VILLAVISAN BUITRAGO" userId="e5ced5c2-d787-455d-b115-4f08a699b8c8" providerId="ADAL" clId="{88C1A0F8-E535-4C1D-8327-968D0E2C07B0}" dt="2025-01-23T13:59:22.319" v="3" actId="20577"/>
           <ac:spMkLst>
             <pc:docMk/>
             <pc:sldMk cId="2343438529" sldId="262"/>
@@ -192,267 +279,54 @@
         </pc:spChg>
       </pc:sldChg>
       <pc:sldChg chg="modSp mod">
-        <pc:chgData name="Jheyson Fabian Villavisan Buitrago" userId="b9abc243-2adc-4788-8ef1-b07bec73deff" providerId="ADAL" clId="{99347F2D-5849-4598-A6E9-2720224EFB16}" dt="2022-01-21T20:03:28.466" v="133"/>
+        <pc:chgData name="JHEYSON FABIAN VILLAVISAN BUITRAGO" userId="e5ced5c2-d787-455d-b115-4f08a699b8c8" providerId="ADAL" clId="{88C1A0F8-E535-4C1D-8327-968D0E2C07B0}" dt="2025-01-23T14:00:05.634" v="5" actId="20577"/>
         <pc:sldMkLst>
           <pc:docMk/>
-          <pc:sldMk cId="3144010533" sldId="263"/>
+          <pc:sldMk cId="207371601" sldId="268"/>
         </pc:sldMkLst>
         <pc:spChg chg="mod">
-          <ac:chgData name="Jheyson Fabian Villavisan Buitrago" userId="b9abc243-2adc-4788-8ef1-b07bec73deff" providerId="ADAL" clId="{99347F2D-5849-4598-A6E9-2720224EFB16}" dt="2022-01-21T20:03:28.466" v="133"/>
+          <ac:chgData name="JHEYSON FABIAN VILLAVISAN BUITRAGO" userId="e5ced5c2-d787-455d-b115-4f08a699b8c8" providerId="ADAL" clId="{88C1A0F8-E535-4C1D-8327-968D0E2C07B0}" dt="2025-01-23T14:00:05.634" v="5" actId="20577"/>
           <ac:spMkLst>
             <pc:docMk/>
-            <pc:sldMk cId="3144010533" sldId="263"/>
-            <ac:spMk id="7" creationId="{85634D56-3D07-4972-B8F6-8B442D1CD9B4}"/>
+            <pc:sldMk cId="207371601" sldId="268"/>
+            <ac:spMk id="6" creationId="{81E6AC26-D78A-47F1-9EFA-A2429DFED43A}"/>
           </ac:spMkLst>
         </pc:spChg>
       </pc:sldChg>
-      <pc:sldChg chg="modSp mod">
-        <pc:chgData name="Jheyson Fabian Villavisan Buitrago" userId="b9abc243-2adc-4788-8ef1-b07bec73deff" providerId="ADAL" clId="{99347F2D-5849-4598-A6E9-2720224EFB16}" dt="2022-01-21T20:01:58.275" v="90" actId="113"/>
+      <pc:sldChg chg="ord">
+        <pc:chgData name="JHEYSON FABIAN VILLAVISAN BUITRAGO" userId="e5ced5c2-d787-455d-b115-4f08a699b8c8" providerId="ADAL" clId="{88C1A0F8-E535-4C1D-8327-968D0E2C07B0}" dt="2025-01-23T14:00:55.357" v="8"/>
         <pc:sldMkLst>
           <pc:docMk/>
           <pc:sldMk cId="2577077687" sldId="269"/>
         </pc:sldMkLst>
-        <pc:spChg chg="mod">
-          <ac:chgData name="Jheyson Fabian Villavisan Buitrago" userId="b9abc243-2adc-4788-8ef1-b07bec73deff" providerId="ADAL" clId="{99347F2D-5849-4598-A6E9-2720224EFB16}" dt="2022-01-21T20:01:58.275" v="90" actId="113"/>
-          <ac:spMkLst>
-            <pc:docMk/>
-            <pc:sldMk cId="2577077687" sldId="269"/>
-            <ac:spMk id="7" creationId="{85634D56-3D07-4972-B8F6-8B442D1CD9B4}"/>
-          </ac:spMkLst>
-        </pc:spChg>
       </pc:sldChg>
-      <pc:sldChg chg="addSp delSp modSp mod ord setBg">
-        <pc:chgData name="Jheyson Fabian Villavisan Buitrago" userId="b9abc243-2adc-4788-8ef1-b07bec73deff" providerId="ADAL" clId="{99347F2D-5849-4598-A6E9-2720224EFB16}" dt="2022-01-21T20:01:28.093" v="89" actId="20577"/>
+      <pc:sldChg chg="del">
+        <pc:chgData name="JHEYSON FABIAN VILLAVISAN BUITRAGO" userId="e5ced5c2-d787-455d-b115-4f08a699b8c8" providerId="ADAL" clId="{88C1A0F8-E535-4C1D-8327-968D0E2C07B0}" dt="2025-01-23T14:00:24.882" v="6" actId="47"/>
         <pc:sldMkLst>
           <pc:docMk/>
-          <pc:sldMk cId="1141780119" sldId="278"/>
+          <pc:sldMk cId="3428575077" sldId="283"/>
         </pc:sldMkLst>
-        <pc:spChg chg="mod">
-          <ac:chgData name="Jheyson Fabian Villavisan Buitrago" userId="b9abc243-2adc-4788-8ef1-b07bec73deff" providerId="ADAL" clId="{99347F2D-5849-4598-A6E9-2720224EFB16}" dt="2022-01-21T20:01:28.093" v="89" actId="20577"/>
-          <ac:spMkLst>
-            <pc:docMk/>
-            <pc:sldMk cId="1141780119" sldId="278"/>
-            <ac:spMk id="4" creationId="{C9D831EE-AE21-402E-A317-F928D88A101E}"/>
-          </ac:spMkLst>
-        </pc:spChg>
-        <pc:spChg chg="add del">
-          <ac:chgData name="Jheyson Fabian Villavisan Buitrago" userId="b9abc243-2adc-4788-8ef1-b07bec73deff" providerId="ADAL" clId="{99347F2D-5849-4598-A6E9-2720224EFB16}" dt="2022-01-21T19:56:06.377" v="39" actId="26606"/>
-          <ac:spMkLst>
-            <pc:docMk/>
-            <pc:sldMk cId="1141780119" sldId="278"/>
-            <ac:spMk id="9" creationId="{133F8CB7-795C-4272-9073-64D8CF97F220}"/>
-          </ac:spMkLst>
-        </pc:spChg>
-        <pc:spChg chg="add del">
-          <ac:chgData name="Jheyson Fabian Villavisan Buitrago" userId="b9abc243-2adc-4788-8ef1-b07bec73deff" providerId="ADAL" clId="{99347F2D-5849-4598-A6E9-2720224EFB16}" dt="2022-01-21T19:56:06.377" v="39" actId="26606"/>
-          <ac:spMkLst>
-            <pc:docMk/>
-            <pc:sldMk cId="1141780119" sldId="278"/>
-            <ac:spMk id="11" creationId="{B7743172-17A8-4FA4-8434-B813E03B7665}"/>
-          </ac:spMkLst>
-        </pc:spChg>
-        <pc:spChg chg="add del">
-          <ac:chgData name="Jheyson Fabian Villavisan Buitrago" userId="b9abc243-2adc-4788-8ef1-b07bec73deff" providerId="ADAL" clId="{99347F2D-5849-4598-A6E9-2720224EFB16}" dt="2022-01-21T19:56:06.377" v="39" actId="26606"/>
-          <ac:spMkLst>
-            <pc:docMk/>
-            <pc:sldMk cId="1141780119" sldId="278"/>
-            <ac:spMk id="13" creationId="{4CE1233C-FD2F-489E-BFDE-086F5FED6491}"/>
-          </ac:spMkLst>
-        </pc:spChg>
-        <pc:spChg chg="add del">
-          <ac:chgData name="Jheyson Fabian Villavisan Buitrago" userId="b9abc243-2adc-4788-8ef1-b07bec73deff" providerId="ADAL" clId="{99347F2D-5849-4598-A6E9-2720224EFB16}" dt="2022-01-21T19:56:01.518" v="34" actId="26606"/>
-          <ac:spMkLst>
-            <pc:docMk/>
-            <pc:sldMk cId="1141780119" sldId="278"/>
-            <ac:spMk id="18" creationId="{133F8CB7-795C-4272-9073-64D8CF97F220}"/>
-          </ac:spMkLst>
-        </pc:spChg>
-        <pc:spChg chg="add del">
-          <ac:chgData name="Jheyson Fabian Villavisan Buitrago" userId="b9abc243-2adc-4788-8ef1-b07bec73deff" providerId="ADAL" clId="{99347F2D-5849-4598-A6E9-2720224EFB16}" dt="2022-01-21T19:56:01.518" v="34" actId="26606"/>
-          <ac:spMkLst>
-            <pc:docMk/>
-            <pc:sldMk cId="1141780119" sldId="278"/>
-            <ac:spMk id="20" creationId="{7AF0B711-0578-47A6-AB9A-AF422D2535BF}"/>
-          </ac:spMkLst>
-        </pc:spChg>
-        <pc:spChg chg="add del">
-          <ac:chgData name="Jheyson Fabian Villavisan Buitrago" userId="b9abc243-2adc-4788-8ef1-b07bec73deff" providerId="ADAL" clId="{99347F2D-5849-4598-A6E9-2720224EFB16}" dt="2022-01-21T19:56:04.365" v="36" actId="26606"/>
-          <ac:spMkLst>
-            <pc:docMk/>
-            <pc:sldMk cId="1141780119" sldId="278"/>
-            <ac:spMk id="22" creationId="{4CE1233C-FD2F-489E-BFDE-086F5FED6491}"/>
-          </ac:spMkLst>
-        </pc:spChg>
-        <pc:spChg chg="add del">
-          <ac:chgData name="Jheyson Fabian Villavisan Buitrago" userId="b9abc243-2adc-4788-8ef1-b07bec73deff" providerId="ADAL" clId="{99347F2D-5849-4598-A6E9-2720224EFB16}" dt="2022-01-21T19:56:04.365" v="36" actId="26606"/>
-          <ac:spMkLst>
-            <pc:docMk/>
-            <pc:sldMk cId="1141780119" sldId="278"/>
-            <ac:spMk id="23" creationId="{133F8CB7-795C-4272-9073-64D8CF97F220}"/>
-          </ac:spMkLst>
-        </pc:spChg>
-        <pc:spChg chg="add del">
-          <ac:chgData name="Jheyson Fabian Villavisan Buitrago" userId="b9abc243-2adc-4788-8ef1-b07bec73deff" providerId="ADAL" clId="{99347F2D-5849-4598-A6E9-2720224EFB16}" dt="2022-01-21T19:56:04.365" v="36" actId="26606"/>
-          <ac:spMkLst>
-            <pc:docMk/>
-            <pc:sldMk cId="1141780119" sldId="278"/>
-            <ac:spMk id="24" creationId="{B7743172-17A8-4FA4-8434-B813E03B7665}"/>
-          </ac:spMkLst>
-        </pc:spChg>
-        <pc:spChg chg="add del">
-          <ac:chgData name="Jheyson Fabian Villavisan Buitrago" userId="b9abc243-2adc-4788-8ef1-b07bec73deff" providerId="ADAL" clId="{99347F2D-5849-4598-A6E9-2720224EFB16}" dt="2022-01-21T19:56:06.367" v="38" actId="26606"/>
-          <ac:spMkLst>
-            <pc:docMk/>
-            <pc:sldMk cId="1141780119" sldId="278"/>
-            <ac:spMk id="26" creationId="{133F8CB7-795C-4272-9073-64D8CF97F220}"/>
-          </ac:spMkLst>
-        </pc:spChg>
-        <pc:spChg chg="add del">
-          <ac:chgData name="Jheyson Fabian Villavisan Buitrago" userId="b9abc243-2adc-4788-8ef1-b07bec73deff" providerId="ADAL" clId="{99347F2D-5849-4598-A6E9-2720224EFB16}" dt="2022-01-21T19:56:06.367" v="38" actId="26606"/>
-          <ac:spMkLst>
-            <pc:docMk/>
-            <pc:sldMk cId="1141780119" sldId="278"/>
-            <ac:spMk id="27" creationId="{9610F818-219E-491F-887F-B078103BA2B4}"/>
-          </ac:spMkLst>
-        </pc:spChg>
-        <pc:spChg chg="add del">
-          <ac:chgData name="Jheyson Fabian Villavisan Buitrago" userId="b9abc243-2adc-4788-8ef1-b07bec73deff" providerId="ADAL" clId="{99347F2D-5849-4598-A6E9-2720224EFB16}" dt="2022-01-21T19:56:06.367" v="38" actId="26606"/>
-          <ac:spMkLst>
-            <pc:docMk/>
-            <pc:sldMk cId="1141780119" sldId="278"/>
-            <ac:spMk id="28" creationId="{5A086AAD-1108-41EB-A7C9-5E22CA942EB2}"/>
-          </ac:spMkLst>
-        </pc:spChg>
-        <pc:spChg chg="add">
-          <ac:chgData name="Jheyson Fabian Villavisan Buitrago" userId="b9abc243-2adc-4788-8ef1-b07bec73deff" providerId="ADAL" clId="{99347F2D-5849-4598-A6E9-2720224EFB16}" dt="2022-01-21T19:56:06.377" v="39" actId="26606"/>
-          <ac:spMkLst>
-            <pc:docMk/>
-            <pc:sldMk cId="1141780119" sldId="278"/>
-            <ac:spMk id="30" creationId="{133F8CB7-795C-4272-9073-64D8CF97F220}"/>
-          </ac:spMkLst>
-        </pc:spChg>
-        <pc:spChg chg="add">
-          <ac:chgData name="Jheyson Fabian Villavisan Buitrago" userId="b9abc243-2adc-4788-8ef1-b07bec73deff" providerId="ADAL" clId="{99347F2D-5849-4598-A6E9-2720224EFB16}" dt="2022-01-21T19:56:06.377" v="39" actId="26606"/>
-          <ac:spMkLst>
-            <pc:docMk/>
-            <pc:sldMk cId="1141780119" sldId="278"/>
-            <ac:spMk id="31" creationId="{B7743172-17A8-4FA4-8434-B813E03B7665}"/>
-          </ac:spMkLst>
-        </pc:spChg>
-        <pc:spChg chg="add">
-          <ac:chgData name="Jheyson Fabian Villavisan Buitrago" userId="b9abc243-2adc-4788-8ef1-b07bec73deff" providerId="ADAL" clId="{99347F2D-5849-4598-A6E9-2720224EFB16}" dt="2022-01-21T19:56:06.377" v="39" actId="26606"/>
-          <ac:spMkLst>
-            <pc:docMk/>
-            <pc:sldMk cId="1141780119" sldId="278"/>
-            <ac:spMk id="32" creationId="{4CE1233C-FD2F-489E-BFDE-086F5FED6491}"/>
-          </ac:spMkLst>
-        </pc:spChg>
-        <pc:picChg chg="del">
-          <ac:chgData name="Jheyson Fabian Villavisan Buitrago" userId="b9abc243-2adc-4788-8ef1-b07bec73deff" providerId="ADAL" clId="{99347F2D-5849-4598-A6E9-2720224EFB16}" dt="2022-01-21T19:55:54.256" v="30" actId="478"/>
-          <ac:picMkLst>
-            <pc:docMk/>
-            <pc:sldMk cId="1141780119" sldId="278"/>
-            <ac:picMk id="2" creationId="{DF1659CF-B7E8-4B79-AE2E-2A8F696CC7F2}"/>
-          </ac:picMkLst>
-        </pc:picChg>
-        <pc:picChg chg="add del mod">
-          <ac:chgData name="Jheyson Fabian Villavisan Buitrago" userId="b9abc243-2adc-4788-8ef1-b07bec73deff" providerId="ADAL" clId="{99347F2D-5849-4598-A6E9-2720224EFB16}" dt="2022-01-21T19:59:41.579" v="57" actId="478"/>
-          <ac:picMkLst>
-            <pc:docMk/>
-            <pc:sldMk cId="1141780119" sldId="278"/>
-            <ac:picMk id="5" creationId="{F03659D8-4783-425C-A1D6-3CFD80CA4D20}"/>
-          </ac:picMkLst>
-        </pc:picChg>
-        <pc:picChg chg="add del">
-          <ac:chgData name="Jheyson Fabian Villavisan Buitrago" userId="b9abc243-2adc-4788-8ef1-b07bec73deff" providerId="ADAL" clId="{99347F2D-5849-4598-A6E9-2720224EFB16}" dt="2022-01-21T19:58:39.774" v="44" actId="22"/>
-          <ac:picMkLst>
-            <pc:docMk/>
-            <pc:sldMk cId="1141780119" sldId="278"/>
-            <ac:picMk id="7" creationId="{7B791892-C3E7-4A79-9089-663C79ECD347}"/>
-          </ac:picMkLst>
-        </pc:picChg>
-        <pc:picChg chg="add mod">
-          <ac:chgData name="Jheyson Fabian Villavisan Buitrago" userId="b9abc243-2adc-4788-8ef1-b07bec73deff" providerId="ADAL" clId="{99347F2D-5849-4598-A6E9-2720224EFB16}" dt="2022-01-21T20:00:19.794" v="66"/>
-          <ac:picMkLst>
-            <pc:docMk/>
-            <pc:sldMk cId="1141780119" sldId="278"/>
-            <ac:picMk id="10" creationId="{D26F0196-0960-4E30-8D0F-9CFD7056C8D7}"/>
-          </ac:picMkLst>
-        </pc:picChg>
       </pc:sldChg>
-      <pc:sldChg chg="modSp mod">
-        <pc:chgData name="Jheyson Fabian Villavisan Buitrago" userId="b9abc243-2adc-4788-8ef1-b07bec73deff" providerId="ADAL" clId="{99347F2D-5849-4598-A6E9-2720224EFB16}" dt="2022-01-21T19:58:39.064" v="43" actId="1076"/>
-        <pc:sldMkLst>
-          <pc:docMk/>
-          <pc:sldMk cId="481447682" sldId="280"/>
-        </pc:sldMkLst>
-        <pc:picChg chg="mod">
-          <ac:chgData name="Jheyson Fabian Villavisan Buitrago" userId="b9abc243-2adc-4788-8ef1-b07bec73deff" providerId="ADAL" clId="{99347F2D-5849-4598-A6E9-2720224EFB16}" dt="2022-01-21T19:58:39.064" v="43" actId="1076"/>
-          <ac:picMkLst>
-            <pc:docMk/>
-            <pc:sldMk cId="481447682" sldId="280"/>
-            <ac:picMk id="5" creationId="{F5A4484C-6A42-4800-84B8-DF312D74F56D}"/>
-          </ac:picMkLst>
-        </pc:picChg>
-      </pc:sldChg>
-      <pc:sldChg chg="modSp mod">
-        <pc:chgData name="Jheyson Fabian Villavisan Buitrago" userId="b9abc243-2adc-4788-8ef1-b07bec73deff" providerId="ADAL" clId="{99347F2D-5849-4598-A6E9-2720224EFB16}" dt="2022-01-21T19:51:30.076" v="27" actId="20577"/>
-        <pc:sldMkLst>
-          <pc:docMk/>
-          <pc:sldMk cId="2124966806" sldId="285"/>
-        </pc:sldMkLst>
-        <pc:spChg chg="mod">
-          <ac:chgData name="Jheyson Fabian Villavisan Buitrago" userId="b9abc243-2adc-4788-8ef1-b07bec73deff" providerId="ADAL" clId="{99347F2D-5849-4598-A6E9-2720224EFB16}" dt="2022-01-21T19:51:30.076" v="27" actId="20577"/>
-          <ac:spMkLst>
-            <pc:docMk/>
-            <pc:sldMk cId="2124966806" sldId="285"/>
-            <ac:spMk id="10" creationId="{9BA4F2C5-9828-42FD-9294-F7AB8002142B}"/>
-          </ac:spMkLst>
-        </pc:spChg>
-      </pc:sldChg>
-      <pc:sldChg chg="modSp mod">
-        <pc:chgData name="Jheyson Fabian Villavisan Buitrago" userId="b9abc243-2adc-4788-8ef1-b07bec73deff" providerId="ADAL" clId="{99347F2D-5849-4598-A6E9-2720224EFB16}" dt="2022-01-21T19:53:34.642" v="29" actId="1076"/>
+      <pc:sldChg chg="addSp delSp modSp mod">
+        <pc:chgData name="JHEYSON FABIAN VILLAVISAN BUITRAGO" userId="e5ced5c2-d787-455d-b115-4f08a699b8c8" providerId="ADAL" clId="{88C1A0F8-E535-4C1D-8327-968D0E2C07B0}" dt="2025-01-23T14:05:29.675" v="16" actId="1076"/>
         <pc:sldMkLst>
           <pc:docMk/>
           <pc:sldMk cId="3830290964" sldId="286"/>
         </pc:sldMkLst>
-        <pc:picChg chg="mod">
-          <ac:chgData name="Jheyson Fabian Villavisan Buitrago" userId="b9abc243-2adc-4788-8ef1-b07bec73deff" providerId="ADAL" clId="{99347F2D-5849-4598-A6E9-2720224EFB16}" dt="2022-01-21T19:53:34.642" v="29" actId="1076"/>
+        <pc:picChg chg="del">
+          <ac:chgData name="JHEYSON FABIAN VILLAVISAN BUITRAGO" userId="e5ced5c2-d787-455d-b115-4f08a699b8c8" providerId="ADAL" clId="{88C1A0F8-E535-4C1D-8327-968D0E2C07B0}" dt="2025-01-23T14:05:16.406" v="9" actId="478"/>
           <ac:picMkLst>
             <pc:docMk/>
             <pc:sldMk cId="3830290964" sldId="286"/>
             <ac:picMk id="4" creationId="{8CCD7A81-31B2-484B-9F93-44A81DD5BAB0}"/>
           </ac:picMkLst>
         </pc:picChg>
-      </pc:sldChg>
-      <pc:sldChg chg="delSp modSp add mod">
-        <pc:chgData name="Jheyson Fabian Villavisan Buitrago" userId="b9abc243-2adc-4788-8ef1-b07bec73deff" providerId="ADAL" clId="{99347F2D-5849-4598-A6E9-2720224EFB16}" dt="2022-01-21T20:01:22.351" v="79" actId="20577"/>
-        <pc:sldMkLst>
-          <pc:docMk/>
-          <pc:sldMk cId="1943067557" sldId="288"/>
-        </pc:sldMkLst>
-        <pc:spChg chg="mod">
-          <ac:chgData name="Jheyson Fabian Villavisan Buitrago" userId="b9abc243-2adc-4788-8ef1-b07bec73deff" providerId="ADAL" clId="{99347F2D-5849-4598-A6E9-2720224EFB16}" dt="2022-01-21T20:01:22.351" v="79" actId="20577"/>
-          <ac:spMkLst>
-            <pc:docMk/>
-            <pc:sldMk cId="1943067557" sldId="288"/>
-            <ac:spMk id="4" creationId="{C9D831EE-AE21-402E-A317-F928D88A101E}"/>
-          </ac:spMkLst>
-        </pc:spChg>
-        <pc:picChg chg="mod">
-          <ac:chgData name="Jheyson Fabian Villavisan Buitrago" userId="b9abc243-2adc-4788-8ef1-b07bec73deff" providerId="ADAL" clId="{99347F2D-5849-4598-A6E9-2720224EFB16}" dt="2022-01-21T19:59:56.359" v="63" actId="1076"/>
+        <pc:picChg chg="add mod">
+          <ac:chgData name="JHEYSON FABIAN VILLAVISAN BUITRAGO" userId="e5ced5c2-d787-455d-b115-4f08a699b8c8" providerId="ADAL" clId="{88C1A0F8-E535-4C1D-8327-968D0E2C07B0}" dt="2025-01-23T14:05:29.675" v="16" actId="1076"/>
           <ac:picMkLst>
             <pc:docMk/>
-            <pc:sldMk cId="1943067557" sldId="288"/>
-            <ac:picMk id="5" creationId="{F03659D8-4783-425C-A1D6-3CFD80CA4D20}"/>
-          </ac:picMkLst>
-        </pc:picChg>
-        <pc:picChg chg="del">
-          <ac:chgData name="Jheyson Fabian Villavisan Buitrago" userId="b9abc243-2adc-4788-8ef1-b07bec73deff" providerId="ADAL" clId="{99347F2D-5849-4598-A6E9-2720224EFB16}" dt="2022-01-21T19:59:43.812" v="58" actId="478"/>
-          <ac:picMkLst>
-            <pc:docMk/>
-            <pc:sldMk cId="1943067557" sldId="288"/>
-            <ac:picMk id="10" creationId="{D26F0196-0960-4E30-8D0F-9CFD7056C8D7}"/>
+            <pc:sldMk cId="3830290964" sldId="286"/>
+            <ac:picMk id="5" creationId="{BB75C98F-D5E3-A883-76BC-45EF97DF5402}"/>
           </ac:picMkLst>
         </pc:picChg>
       </pc:sldChg>
@@ -3547,7 +3421,7 @@
           <a:effectLst/>
           <a:extLst>
             <a:ext uri="{91240B29-F687-4f45-9708-019B960494DF}">
-              <a14:hiddenLine xmlns="" xmlns:a14="http://schemas.microsoft.com/office/drawing/2010/main" w="9525">
+              <a14:hiddenLine xmlns:a14="http://schemas.microsoft.com/office/drawing/2010/main" xmlns="" w="9525">
                 <a:solidFill>
                   <a:srgbClr val="000000"/>
                 </a:solidFill>
@@ -3741,7 +3615,7 @@
             <a:fld id="{08B9EBBA-996F-894A-B54A-D6246ED52CEA}" type="datetimeFigureOut">
               <a:rPr lang="en-US" dirty="0"/>
               <a:pPr/>
-              <a:t>1/21/2022</a:t>
+              <a:t>1/23/2025</a:t>
             </a:fld>
             <a:endParaRPr lang="en-US"/>
           </a:p>
@@ -4053,7 +3927,7 @@
             <a:fld id="{18C79C5D-2A6F-F04D-97DA-BEF2467B64E4}" type="datetimeFigureOut">
               <a:rPr lang="en-US" dirty="0"/>
               <a:pPr/>
-              <a:t>1/21/2022</a:t>
+              <a:t>1/23/2025</a:t>
             </a:fld>
             <a:endParaRPr lang="en-US"/>
           </a:p>
@@ -4380,7 +4254,7 @@
             <a:fld id="{18C79C5D-2A6F-F04D-97DA-BEF2467B64E4}" type="datetimeFigureOut">
               <a:rPr lang="en-US" dirty="0"/>
               <a:pPr/>
-              <a:t>1/21/2022</a:t>
+              <a:t>1/23/2025</a:t>
             </a:fld>
             <a:endParaRPr lang="en-US"/>
           </a:p>
@@ -4865,7 +4739,7 @@
             <a:fld id="{8DFA1846-DA80-1C48-A609-854EA85C59AD}" type="datetimeFigureOut">
               <a:rPr lang="en-US" dirty="0"/>
               <a:pPr/>
-              <a:t>1/21/2022</a:t>
+              <a:t>1/23/2025</a:t>
             </a:fld>
             <a:endParaRPr lang="en-US"/>
           </a:p>
@@ -5231,7 +5105,7 @@
             <a:fld id="{FBF54567-0DE4-3F47-BF90-CB84690072F9}" type="datetimeFigureOut">
               <a:rPr lang="en-US" dirty="0"/>
               <a:pPr/>
-              <a:t>1/21/2022</a:t>
+              <a:t>1/23/2025</a:t>
             </a:fld>
             <a:endParaRPr lang="en-US"/>
           </a:p>
@@ -5382,7 +5256,7 @@
           <a:ln/>
           <a:extLst>
             <a:ext uri="{91240B29-F687-4f45-9708-019B960494DF}">
-              <a14:hiddenLine xmlns="" xmlns:a14="http://schemas.microsoft.com/office/drawing/2010/main" w="9525">
+              <a14:hiddenLine xmlns:a14="http://schemas.microsoft.com/office/drawing/2010/main" xmlns="" w="9525">
                 <a:solidFill>
                   <a:srgbClr val="000000"/>
                 </a:solidFill>
@@ -5501,7 +5375,7 @@
             <a:fld id="{C6C52C72-DE31-F449-A4ED-4C594FD91407}" type="datetimeFigureOut">
               <a:rPr lang="en-US" dirty="0"/>
               <a:pPr/>
-              <a:t>1/21/2022</a:t>
+              <a:t>1/23/2025</a:t>
             </a:fld>
             <a:endParaRPr lang="en-US"/>
           </a:p>
@@ -5654,7 +5528,7 @@
           <a:ln/>
           <a:extLst>
             <a:ext uri="{91240B29-F687-4f45-9708-019B960494DF}">
-              <a14:hiddenLine xmlns="" xmlns:a14="http://schemas.microsoft.com/office/drawing/2010/main" w="9525">
+              <a14:hiddenLine xmlns:a14="http://schemas.microsoft.com/office/drawing/2010/main" xmlns="" w="9525">
                 <a:solidFill>
                   <a:srgbClr val="000000"/>
                 </a:solidFill>
@@ -5783,7 +5657,7 @@
             <a:fld id="{ED62726E-379B-B349-9EED-81ED093FA806}" type="datetimeFigureOut">
               <a:rPr lang="en-US" dirty="0"/>
               <a:pPr/>
-              <a:t>1/21/2022</a:t>
+              <a:t>1/23/2025</a:t>
             </a:fld>
             <a:endParaRPr lang="en-US"/>
           </a:p>
@@ -5934,7 +5808,7 @@
           <a:ln/>
           <a:extLst>
             <a:ext uri="{91240B29-F687-4f45-9708-019B960494DF}">
-              <a14:hiddenLine xmlns="" xmlns:a14="http://schemas.microsoft.com/office/drawing/2010/main" w="9525">
+              <a14:hiddenLine xmlns:a14="http://schemas.microsoft.com/office/drawing/2010/main" xmlns="" w="9525">
                 <a:solidFill>
                   <a:srgbClr val="000000"/>
                 </a:solidFill>
@@ -6064,7 +5938,7 @@
             <a:fld id="{9B3A1323-8D79-1946-B0D7-40001CF92E9D}" type="datetimeFigureOut">
               <a:rPr lang="en-US" dirty="0"/>
               <a:pPr/>
-              <a:t>1/21/2022</a:t>
+              <a:t>1/23/2025</a:t>
             </a:fld>
             <a:endParaRPr lang="en-US"/>
           </a:p>
@@ -6405,7 +6279,7 @@
             <a:fld id="{8DFA1846-DA80-1C48-A609-854EA85C59AD}" type="datetimeFigureOut">
               <a:rPr lang="en-US" dirty="0"/>
               <a:pPr/>
-              <a:t>1/21/2022</a:t>
+              <a:t>1/23/2025</a:t>
             </a:fld>
             <a:endParaRPr lang="en-US"/>
           </a:p>
@@ -6556,7 +6430,7 @@
           <a:ln/>
           <a:extLst>
             <a:ext uri="{91240B29-F687-4f45-9708-019B960494DF}">
-              <a14:hiddenLine xmlns="" xmlns:a14="http://schemas.microsoft.com/office/drawing/2010/main" w="9525">
+              <a14:hiddenLine xmlns:a14="http://schemas.microsoft.com/office/drawing/2010/main" xmlns="" w="9525">
                 <a:solidFill>
                   <a:srgbClr val="000000"/>
                 </a:solidFill>
@@ -6743,7 +6617,7 @@
             <a:fld id="{57302355-E14B-8545-A8F8-0FE83CC9D524}" type="datetimeFigureOut">
               <a:rPr lang="en-US" dirty="0"/>
               <a:pPr/>
-              <a:t>1/21/2022</a:t>
+              <a:t>1/23/2025</a:t>
             </a:fld>
             <a:endParaRPr lang="en-US"/>
           </a:p>
@@ -6894,7 +6768,7 @@
           <a:ln/>
           <a:extLst>
             <a:ext uri="{91240B29-F687-4f45-9708-019B960494DF}">
-              <a14:hiddenLine xmlns="" xmlns:a14="http://schemas.microsoft.com/office/drawing/2010/main" w="9525">
+              <a14:hiddenLine xmlns:a14="http://schemas.microsoft.com/office/drawing/2010/main" xmlns="" w="9525">
                 <a:solidFill>
                   <a:srgbClr val="000000"/>
                 </a:solidFill>
@@ -7081,7 +6955,7 @@
             <a:fld id="{57302355-E14B-8545-A8F8-0FE83CC9D524}" type="datetimeFigureOut">
               <a:rPr lang="en-US" dirty="0"/>
               <a:pPr/>
-              <a:t>1/21/2022</a:t>
+              <a:t>1/23/2025</a:t>
             </a:fld>
             <a:endParaRPr lang="en-US"/>
           </a:p>
@@ -7237,7 +7111,7 @@
           <a:ln/>
           <a:extLst>
             <a:ext uri="{91240B29-F687-4f45-9708-019B960494DF}">
-              <a14:hiddenLine xmlns="" xmlns:a14="http://schemas.microsoft.com/office/drawing/2010/main" w="9525">
+              <a14:hiddenLine xmlns:a14="http://schemas.microsoft.com/office/drawing/2010/main" xmlns="" w="9525">
                 <a:solidFill>
                   <a:srgbClr val="000000"/>
                 </a:solidFill>
@@ -7564,7 +7438,7 @@
             <a:fld id="{02640F58-564D-2B4F-AE67-E407BA4FCF45}" type="datetimeFigureOut">
               <a:rPr lang="en-US" dirty="0"/>
               <a:pPr/>
-              <a:t>1/21/2022</a:t>
+              <a:t>1/23/2025</a:t>
             </a:fld>
             <a:endParaRPr lang="en-US"/>
           </a:p>
@@ -7715,7 +7589,7 @@
           <a:ln/>
           <a:extLst>
             <a:ext uri="{91240B29-F687-4f45-9708-019B960494DF}">
-              <a14:hiddenLine xmlns="" xmlns:a14="http://schemas.microsoft.com/office/drawing/2010/main" w="9525">
+              <a14:hiddenLine xmlns:a14="http://schemas.microsoft.com/office/drawing/2010/main" xmlns="" w="9525">
                 <a:solidFill>
                   <a:srgbClr val="000000"/>
                 </a:solidFill>
@@ -7782,7 +7656,7 @@
             <a:fld id="{F13A34C8-038E-2045-AF43-DF7DBB8E0E9E}" type="datetimeFigureOut">
               <a:rPr lang="en-US" dirty="0"/>
               <a:pPr/>
-              <a:t>1/21/2022</a:t>
+              <a:t>1/23/2025</a:t>
             </a:fld>
             <a:endParaRPr lang="en-US"/>
           </a:p>
@@ -7874,7 +7748,7 @@
             <a:fld id="{8818C68F-D26B-8F47-958C-23B49CF8A634}" type="datetimeFigureOut">
               <a:rPr lang="en-US" dirty="0"/>
               <a:pPr/>
-              <a:t>1/21/2022</a:t>
+              <a:t>1/23/2025</a:t>
             </a:fld>
             <a:endParaRPr lang="en-US"/>
           </a:p>
@@ -8138,7 +8012,7 @@
           <a:ln/>
           <a:extLst>
             <a:ext uri="{91240B29-F687-4f45-9708-019B960494DF}">
-              <a14:hiddenLine xmlns="" xmlns:a14="http://schemas.microsoft.com/office/drawing/2010/main" w="9525">
+              <a14:hiddenLine xmlns:a14="http://schemas.microsoft.com/office/drawing/2010/main" xmlns="" w="9525">
                 <a:solidFill>
                   <a:srgbClr val="000000"/>
                 </a:solidFill>
@@ -8340,7 +8214,7 @@
             <a:fld id="{D0DF5E60-9974-AC48-9591-99C2BB44B7CF}" type="datetimeFigureOut">
               <a:rPr lang="en-US" dirty="0"/>
               <a:pPr/>
-              <a:t>1/21/2022</a:t>
+              <a:t>1/23/2025</a:t>
             </a:fld>
             <a:endParaRPr lang="en-US"/>
           </a:p>
@@ -8597,7 +8471,7 @@
             <a:fld id="{09B482E8-6E0E-1B4F-B1FD-C69DB9E858D9}" type="datetimeFigureOut">
               <a:rPr lang="en-US" dirty="0"/>
               <a:pPr/>
-              <a:t>1/21/2022</a:t>
+              <a:t>1/23/2025</a:t>
             </a:fld>
             <a:endParaRPr lang="en-US"/>
           </a:p>
@@ -9093,79 +8967,27 @@
                   <a:schemeClr val="bg1"/>
                 </a:solidFill>
               </a:rPr>
-              <a:t> para realizar informes en formato IEEE</a:t>
+              <a:t> para </a:t>
+            </a:r>
+            <a:r>
+              <a:rPr lang="es-CO" sz="6200">
+                <a:solidFill>
+                  <a:schemeClr val="bg1"/>
+                </a:solidFill>
+              </a:rPr>
+              <a:t>realizar Anteproyecto </a:t>
+            </a:r>
+            <a:r>
+              <a:rPr lang="es-CO" sz="6200" dirty="0">
+                <a:solidFill>
+                  <a:schemeClr val="bg1"/>
+                </a:solidFill>
+              </a:rPr>
+              <a:t>en formato IEEE</a:t>
             </a:r>
           </a:p>
         </p:txBody>
       </p:sp>
-      <p:sp>
-        <p:nvSpPr>
-          <p:cNvPr id="9" name="Subtítulo 8">
-            <a:extLst>
-              <a:ext uri="{FF2B5EF4-FFF2-40B4-BE49-F238E27FC236}">
-                <a16:creationId xmlns:a16="http://schemas.microsoft.com/office/drawing/2014/main" id="{D00E91F1-4784-4297-B120-4B95E448EF0F}"/>
-              </a:ext>
-            </a:extLst>
-          </p:cNvPr>
-          <p:cNvSpPr>
-            <a:spLocks noGrp="1"/>
-          </p:cNvSpPr>
-          <p:nvPr>
-            <p:ph type="subTitle" idx="1"/>
-          </p:nvPr>
-        </p:nvSpPr>
-        <p:spPr>
-          <a:xfrm>
-            <a:off x="810000" y="5280846"/>
-            <a:ext cx="6673641" cy="1249473"/>
-          </a:xfrm>
-        </p:spPr>
-        <p:txBody>
-          <a:bodyPr anchor="ctr"/>
-          <a:lstStyle/>
-          <a:p>
-            <a:r>
-              <a:rPr lang="es-CO" b="1" dirty="0"/>
-              <a:t>Laboratorio de Fundamentos de Electrónica para IEE</a:t>
-            </a:r>
-          </a:p>
-          <a:p>
-            <a:r>
-              <a:rPr lang="es-CO" sz="1600" dirty="0"/>
-              <a:t>Departamento de Ingeniería eléctrica y electrónica</a:t>
-            </a:r>
-          </a:p>
-        </p:txBody>
-      </p:sp>
-      <p:pic>
-        <p:nvPicPr>
-          <p:cNvPr id="5" name="Imagen 4">
-            <a:extLst>
-              <a:ext uri="{FF2B5EF4-FFF2-40B4-BE49-F238E27FC236}">
-                <a16:creationId xmlns:a16="http://schemas.microsoft.com/office/drawing/2014/main" id="{A7977B5B-B83F-47ED-ABCD-63BA17F9B7F3}"/>
-              </a:ext>
-            </a:extLst>
-          </p:cNvPr>
-          <p:cNvPicPr>
-            <a:picLocks noChangeAspect="1"/>
-          </p:cNvPicPr>
-          <p:nvPr/>
-        </p:nvPicPr>
-        <p:blipFill rotWithShape="1">
-          <a:blip r:embed="rId2"/>
-          <a:srcRect t="33433" b="33172"/>
-          <a:stretch/>
-        </p:blipFill>
-        <p:spPr>
-          <a:xfrm>
-            <a:off x="8157063" y="5408853"/>
-            <a:ext cx="3358136" cy="1121467"/>
-          </a:xfrm>
-          <a:prstGeom prst="rect">
-            <a:avLst/>
-          </a:prstGeom>
-        </p:spPr>
-      </p:pic>
     </p:spTree>
     <p:extLst>
       <p:ext uri="{BB962C8B-B14F-4D97-AF65-F5344CB8AC3E}">
@@ -9460,7 +9282,7 @@
           <a:effectLst/>
           <a:extLst>
             <a:ext uri="{91240B29-F687-4f45-9708-019B960494DF}">
-              <a14:hiddenLine xmlns="" xmlns:a14="http://schemas.microsoft.com/office/drawing/2010/main" xmlns:p14="http://schemas.microsoft.com/office/powerpoint/2010/main" xmlns:a16="http://schemas.microsoft.com/office/drawing/2014/main" w="9525">
+              <a14:hiddenLine xmlns:a16="http://schemas.microsoft.com/office/drawing/2014/main" xmlns:p14="http://schemas.microsoft.com/office/powerpoint/2010/main" xmlns:a14="http://schemas.microsoft.com/office/drawing/2010/main" xmlns="" w="9525">
                 <a:solidFill>
                   <a:srgbClr val="000000"/>
                 </a:solidFill>
@@ -9485,6 +9307,13 @@
             <a:schemeClr val="lt1"/>
           </a:fontRef>
         </p:style>
+        <p:txBody>
+          <a:bodyPr/>
+          <a:lstStyle/>
+          <a:p>
+            <a:endParaRPr lang="es-CO"/>
+          </a:p>
+        </p:txBody>
       </p:sp>
       <p:sp>
         <p:nvSpPr>
@@ -12024,40 +11853,6 @@
             <a:endParaRPr lang="es-CO" sz="1000" dirty="0"/>
           </a:p>
           <a:p>
-            <a:pPr marL="0" indent="0" algn="just">
-              <a:buNone/>
-            </a:pPr>
-            <a:r>
-              <a:rPr lang="es-CO" dirty="0"/>
-              <a:t>El informe se debe subir directamente a </a:t>
-            </a:r>
-            <a:r>
-              <a:rPr lang="es-CO" b="1" dirty="0"/>
-              <a:t>Bloque Neón</a:t>
-            </a:r>
-            <a:r>
-              <a:rPr lang="es-CO" dirty="0"/>
-              <a:t> en </a:t>
-            </a:r>
-            <a:r>
-              <a:rPr lang="es-CO" b="1" dirty="0"/>
-              <a:t>PDF</a:t>
-            </a:r>
-            <a:r>
-              <a:rPr lang="es-CO" dirty="0"/>
-              <a:t>, si no lo realizan de esa forma no se podrá comentar directamente en el texto, por ello </a:t>
-            </a:r>
-            <a:r>
-              <a:rPr lang="es-CO" b="1" dirty="0"/>
-              <a:t>NO</a:t>
-            </a:r>
-            <a:r>
-              <a:rPr lang="es-CO" dirty="0"/>
-              <a:t> se aceptará en otro tipo de formato.</a:t>
-            </a:r>
-            <a:endParaRPr lang="es-CO" b="1" dirty="0"/>
-          </a:p>
-          <a:p>
             <a:pPr marL="0" indent="0">
               <a:buNone/>
             </a:pPr>
@@ -12198,7 +11993,7 @@
           <a:effectLst/>
           <a:extLst>
             <a:ext uri="{91240B29-F687-4f45-9708-019B960494DF}">
-              <a14:hiddenLine xmlns="" xmlns:a14="http://schemas.microsoft.com/office/drawing/2010/main" xmlns:p14="http://schemas.microsoft.com/office/powerpoint/2010/main" xmlns:a16="http://schemas.microsoft.com/office/drawing/2014/main" w="9525">
+              <a14:hiddenLine xmlns:a16="http://schemas.microsoft.com/office/drawing/2014/main" xmlns:p14="http://schemas.microsoft.com/office/powerpoint/2010/main" xmlns:a14="http://schemas.microsoft.com/office/drawing/2010/main" xmlns="" w="9525">
                 <a:solidFill>
                   <a:srgbClr val="000000"/>
                 </a:solidFill>
@@ -12223,6 +12018,13 @@
             <a:schemeClr val="lt1"/>
           </a:fontRef>
         </p:style>
+        <p:txBody>
+          <a:bodyPr/>
+          <a:lstStyle/>
+          <a:p>
+            <a:endParaRPr lang="es-CO"/>
+          </a:p>
+        </p:txBody>
       </p:sp>
       <p:sp>
         <p:nvSpPr>
@@ -12585,14 +12387,6 @@
 <file path=ppt/slides/slide21.xml><?xml version="1.0" encoding="utf-8"?>
 <p:sld xmlns:a="http://schemas.openxmlformats.org/drawingml/2006/main" xmlns:r="http://schemas.openxmlformats.org/officeDocument/2006/relationships" xmlns:p="http://schemas.openxmlformats.org/presentationml/2006/main">
   <p:cSld>
-    <p:bg>
-      <p:bgPr>
-        <a:solidFill>
-          <a:schemeClr val="bg1"/>
-        </a:solidFill>
-        <a:effectLst/>
-      </p:bgPr>
-    </p:bg>
     <p:spTree>
       <p:nvGrpSpPr>
         <p:cNvPr id="1" name=""/>
@@ -12607,311 +12401,12 @@
           <a:chExt cx="0" cy="0"/>
         </a:xfrm>
       </p:grpSpPr>
-      <p:sp useBgFill="1">
-        <p:nvSpPr>
-          <p:cNvPr id="8" name="Rectangle 7">
+      <p:sp>
+        <p:nvSpPr>
+          <p:cNvPr id="4" name="Título 3">
             <a:extLst>
               <a:ext uri="{FF2B5EF4-FFF2-40B4-BE49-F238E27FC236}">
-                <a16:creationId xmlns:a16="http://schemas.microsoft.com/office/drawing/2014/main" id="{089A69AF-D57B-49B4-886C-D4A5DC194421}"/>
-              </a:ext>
-              <a:ext uri="{C183D7F6-B498-43B3-948B-1728B52AA6E4}">
-                <adec:decorative xmlns:adec="http://schemas.microsoft.com/office/drawing/2017/decorative" val="1"/>
-              </a:ext>
-            </a:extLst>
-          </p:cNvPr>
-          <p:cNvSpPr>
-            <a:spLocks noGrp="1" noRot="1" noChangeAspect="1" noMove="1" noResize="1" noEditPoints="1" noAdjustHandles="1" noChangeArrowheads="1" noChangeShapeType="1" noTextEdit="1"/>
-          </p:cNvSpPr>
-          <p:nvPr>
-            <p:extLst>
-              <p:ext uri="{386F3935-93C4-4BCD-93E2-E3B085C9AB24}">
-                <p16:designElem xmlns:p16="http://schemas.microsoft.com/office/powerpoint/2015/main" val="1"/>
-              </p:ext>
-            </p:extLst>
-          </p:nvPr>
-        </p:nvSpPr>
-        <p:spPr>
-          <a:xfrm>
-            <a:off x="0" y="0"/>
-            <a:ext cx="12192000" cy="6858000"/>
-          </a:xfrm>
-          <a:prstGeom prst="rect">
-            <a:avLst/>
-          </a:prstGeom>
-          <a:ln>
-            <a:noFill/>
-          </a:ln>
-        </p:spPr>
-        <p:style>
-          <a:lnRef idx="2">
-            <a:schemeClr val="accent1">
-              <a:shade val="50000"/>
-            </a:schemeClr>
-          </a:lnRef>
-          <a:fillRef idx="1">
-            <a:schemeClr val="accent1"/>
-          </a:fillRef>
-          <a:effectRef idx="0">
-            <a:schemeClr val="accent1"/>
-          </a:effectRef>
-          <a:fontRef idx="minor">
-            <a:schemeClr val="lt1"/>
-          </a:fontRef>
-        </p:style>
-        <p:txBody>
-          <a:bodyPr rtlCol="0" anchor="ctr"/>
-          <a:lstStyle/>
-          <a:p>
-            <a:pPr algn="ctr"/>
-            <a:endParaRPr lang="en-US"/>
-          </a:p>
-        </p:txBody>
-      </p:sp>
-      <p:sp>
-        <p:nvSpPr>
-          <p:cNvPr id="10" name="Freeform: Shape 9">
-            <a:extLst>
-              <a:ext uri="{FF2B5EF4-FFF2-40B4-BE49-F238E27FC236}">
-                <a16:creationId xmlns:a16="http://schemas.microsoft.com/office/drawing/2014/main" id="{CABDC08D-6093-4397-92D4-54D00E2BB1C2}"/>
-              </a:ext>
-              <a:ext uri="{C183D7F6-B498-43B3-948B-1728B52AA6E4}">
-                <adec:decorative xmlns:adec="http://schemas.microsoft.com/office/drawing/2017/decorative" val="1"/>
-              </a:ext>
-            </a:extLst>
-          </p:cNvPr>
-          <p:cNvSpPr>
-            <a:spLocks noGrp="1" noRot="1" noChangeAspect="1" noMove="1" noResize="1" noEditPoints="1" noAdjustHandles="1" noChangeArrowheads="1" noChangeShapeType="1" noTextEdit="1"/>
-          </p:cNvSpPr>
-          <p:nvPr>
-            <p:extLst>
-              <p:ext uri="{386F3935-93C4-4BCD-93E2-E3B085C9AB24}">
-                <p16:designElem xmlns:p16="http://schemas.microsoft.com/office/powerpoint/2015/main" val="1"/>
-              </p:ext>
-            </p:extLst>
-          </p:nvPr>
-        </p:nvSpPr>
-        <p:spPr bwMode="auto">
-          <a:xfrm rot="16200000">
-            <a:off x="-650724" y="650724"/>
-            <a:ext cx="6858000" cy="5556552"/>
-          </a:xfrm>
-          <a:custGeom>
-            <a:avLst/>
-            <a:gdLst>
-              <a:gd name="connsiteX0" fmla="*/ 6858000 w 6858000"/>
-              <a:gd name="connsiteY0" fmla="*/ 3445704 h 5556552"/>
-              <a:gd name="connsiteX1" fmla="*/ 3829242 w 6858000"/>
-              <a:gd name="connsiteY1" fmla="*/ 5433322 h 5556552"/>
-              <a:gd name="connsiteX2" fmla="*/ 3827369 w 6858000"/>
-              <a:gd name="connsiteY2" fmla="*/ 5434867 h 5556552"/>
-              <a:gd name="connsiteX3" fmla="*/ 3824583 w 6858000"/>
-              <a:gd name="connsiteY3" fmla="*/ 5436378 h 5556552"/>
-              <a:gd name="connsiteX4" fmla="*/ 3798693 w 6858000"/>
-              <a:gd name="connsiteY4" fmla="*/ 5453370 h 5556552"/>
-              <a:gd name="connsiteX5" fmla="*/ 3785011 w 6858000"/>
-              <a:gd name="connsiteY5" fmla="*/ 5457858 h 5556552"/>
-              <a:gd name="connsiteX6" fmla="*/ 3706339 w 6858000"/>
-              <a:gd name="connsiteY6" fmla="*/ 5500559 h 5556552"/>
-              <a:gd name="connsiteX7" fmla="*/ 3428998 w 6858000"/>
-              <a:gd name="connsiteY7" fmla="*/ 5556552 h 5556552"/>
-              <a:gd name="connsiteX8" fmla="*/ 3151658 w 6858000"/>
-              <a:gd name="connsiteY8" fmla="*/ 5500559 h 5556552"/>
-              <a:gd name="connsiteX9" fmla="*/ 3072996 w 6858000"/>
-              <a:gd name="connsiteY9" fmla="*/ 5457863 h 5556552"/>
-              <a:gd name="connsiteX10" fmla="*/ 3059298 w 6858000"/>
-              <a:gd name="connsiteY10" fmla="*/ 5453370 h 5556552"/>
-              <a:gd name="connsiteX11" fmla="*/ 3033383 w 6858000"/>
-              <a:gd name="connsiteY11" fmla="*/ 5436362 h 5556552"/>
-              <a:gd name="connsiteX12" fmla="*/ 3030627 w 6858000"/>
-              <a:gd name="connsiteY12" fmla="*/ 5434867 h 5556552"/>
-              <a:gd name="connsiteX13" fmla="*/ 3028775 w 6858000"/>
-              <a:gd name="connsiteY13" fmla="*/ 5433338 h 5556552"/>
-              <a:gd name="connsiteX14" fmla="*/ 0 w 6858000"/>
-              <a:gd name="connsiteY14" fmla="*/ 3445704 h 5556552"/>
-              <a:gd name="connsiteX15" fmla="*/ 6858000 w 6858000"/>
-              <a:gd name="connsiteY15" fmla="*/ 0 h 5556552"/>
-              <a:gd name="connsiteX16" fmla="*/ 6858000 w 6858000"/>
-              <a:gd name="connsiteY16" fmla="*/ 349336 h 5556552"/>
-              <a:gd name="connsiteX17" fmla="*/ 6858000 w 6858000"/>
-              <a:gd name="connsiteY17" fmla="*/ 3445703 h 5556552"/>
-              <a:gd name="connsiteX18" fmla="*/ 0 w 6858000"/>
-              <a:gd name="connsiteY18" fmla="*/ 3445703 h 5556552"/>
-              <a:gd name="connsiteX19" fmla="*/ 0 w 6858000"/>
-              <a:gd name="connsiteY19" fmla="*/ 0 h 5556552"/>
-            </a:gdLst>
-            <a:ahLst/>
-            <a:cxnLst>
-              <a:cxn ang="0">
-                <a:pos x="connsiteX0" y="connsiteY0"/>
-              </a:cxn>
-              <a:cxn ang="0">
-                <a:pos x="connsiteX1" y="connsiteY1"/>
-              </a:cxn>
-              <a:cxn ang="0">
-                <a:pos x="connsiteX2" y="connsiteY2"/>
-              </a:cxn>
-              <a:cxn ang="0">
-                <a:pos x="connsiteX3" y="connsiteY3"/>
-              </a:cxn>
-              <a:cxn ang="0">
-                <a:pos x="connsiteX4" y="connsiteY4"/>
-              </a:cxn>
-              <a:cxn ang="0">
-                <a:pos x="connsiteX5" y="connsiteY5"/>
-              </a:cxn>
-              <a:cxn ang="0">
-                <a:pos x="connsiteX6" y="connsiteY6"/>
-              </a:cxn>
-              <a:cxn ang="0">
-                <a:pos x="connsiteX7" y="connsiteY7"/>
-              </a:cxn>
-              <a:cxn ang="0">
-                <a:pos x="connsiteX8" y="connsiteY8"/>
-              </a:cxn>
-              <a:cxn ang="0">
-                <a:pos x="connsiteX9" y="connsiteY9"/>
-              </a:cxn>
-              <a:cxn ang="0">
-                <a:pos x="connsiteX10" y="connsiteY10"/>
-              </a:cxn>
-              <a:cxn ang="0">
-                <a:pos x="connsiteX11" y="connsiteY11"/>
-              </a:cxn>
-              <a:cxn ang="0">
-                <a:pos x="connsiteX12" y="connsiteY12"/>
-              </a:cxn>
-              <a:cxn ang="0">
-                <a:pos x="connsiteX13" y="connsiteY13"/>
-              </a:cxn>
-              <a:cxn ang="0">
-                <a:pos x="connsiteX14" y="connsiteY14"/>
-              </a:cxn>
-              <a:cxn ang="0">
-                <a:pos x="connsiteX15" y="connsiteY15"/>
-              </a:cxn>
-              <a:cxn ang="0">
-                <a:pos x="connsiteX16" y="connsiteY16"/>
-              </a:cxn>
-              <a:cxn ang="0">
-                <a:pos x="connsiteX17" y="connsiteY17"/>
-              </a:cxn>
-              <a:cxn ang="0">
-                <a:pos x="connsiteX18" y="connsiteY18"/>
-              </a:cxn>
-              <a:cxn ang="0">
-                <a:pos x="connsiteX19" y="connsiteY19"/>
-              </a:cxn>
-            </a:cxnLst>
-            <a:rect l="l" t="t" r="r" b="b"/>
-            <a:pathLst>
-              <a:path w="6858000" h="5556552">
-                <a:moveTo>
-                  <a:pt x="6858000" y="3445704"/>
-                </a:moveTo>
-                <a:lnTo>
-                  <a:pt x="3829242" y="5433322"/>
-                </a:lnTo>
-                <a:lnTo>
-                  <a:pt x="3827369" y="5434867"/>
-                </a:lnTo>
-                <a:lnTo>
-                  <a:pt x="3824583" y="5436378"/>
-                </a:lnTo>
-                <a:lnTo>
-                  <a:pt x="3798693" y="5453370"/>
-                </a:lnTo>
-                <a:lnTo>
-                  <a:pt x="3785011" y="5457858"/>
-                </a:lnTo>
-                <a:lnTo>
-                  <a:pt x="3706339" y="5500559"/>
-                </a:lnTo>
-                <a:cubicBezTo>
-                  <a:pt x="3621096" y="5536614"/>
-                  <a:pt x="3527375" y="5556552"/>
-                  <a:pt x="3428998" y="5556552"/>
-                </a:cubicBezTo>
-                <a:cubicBezTo>
-                  <a:pt x="3330621" y="5556552"/>
-                  <a:pt x="3236901" y="5536614"/>
-                  <a:pt x="3151658" y="5500559"/>
-                </a:cubicBezTo>
-                <a:lnTo>
-                  <a:pt x="3072996" y="5457863"/>
-                </a:lnTo>
-                <a:lnTo>
-                  <a:pt x="3059298" y="5453370"/>
-                </a:lnTo>
-                <a:lnTo>
-                  <a:pt x="3033383" y="5436362"/>
-                </a:lnTo>
-                <a:lnTo>
-                  <a:pt x="3030627" y="5434867"/>
-                </a:lnTo>
-                <a:lnTo>
-                  <a:pt x="3028775" y="5433338"/>
-                </a:lnTo>
-                <a:lnTo>
-                  <a:pt x="0" y="3445704"/>
-                </a:lnTo>
-                <a:close/>
-                <a:moveTo>
-                  <a:pt x="6858000" y="0"/>
-                </a:moveTo>
-                <a:lnTo>
-                  <a:pt x="6858000" y="349336"/>
-                </a:lnTo>
-                <a:lnTo>
-                  <a:pt x="6858000" y="3445703"/>
-                </a:lnTo>
-                <a:lnTo>
-                  <a:pt x="0" y="3445703"/>
-                </a:lnTo>
-                <a:lnTo>
-                  <a:pt x="0" y="0"/>
-                </a:lnTo>
-                <a:close/>
-              </a:path>
-            </a:pathLst>
-          </a:custGeom>
-          <a:ln>
-            <a:noFill/>
-          </a:ln>
-          <a:effectLst/>
-          <a:extLst>
-            <a:ext uri="{91240B29-F687-4f45-9708-019B960494DF}">
-              <a14:hiddenLine xmlns="" xmlns:a16="http://schemas.microsoft.com/office/drawing/2014/main" xmlns:p14="http://schemas.microsoft.com/office/powerpoint/2010/main" xmlns:a14="http://schemas.microsoft.com/office/drawing/2010/main" w="9525">
-                <a:solidFill>
-                  <a:srgbClr val="000000"/>
-                </a:solidFill>
-                <a:round/>
-                <a:headEnd/>
-                <a:tailEnd/>
-              </a14:hiddenLine>
-            </a:ext>
-          </a:extLst>
-        </p:spPr>
-        <p:style>
-          <a:lnRef idx="1">
-            <a:schemeClr val="accent1"/>
-          </a:lnRef>
-          <a:fillRef idx="3">
-            <a:schemeClr val="accent1"/>
-          </a:fillRef>
-          <a:effectRef idx="2">
-            <a:schemeClr val="accent1"/>
-          </a:effectRef>
-          <a:fontRef idx="minor">
-            <a:schemeClr val="lt1"/>
-          </a:fontRef>
-        </p:style>
-      </p:sp>
-      <p:sp>
-        <p:nvSpPr>
-          <p:cNvPr id="2" name="Título 1">
-            <a:extLst>
-              <a:ext uri="{FF2B5EF4-FFF2-40B4-BE49-F238E27FC236}">
-                <a16:creationId xmlns:a16="http://schemas.microsoft.com/office/drawing/2014/main" id="{699DA6F9-DBA3-45EE-8B79-8D3661DA6245}"/>
+                <a16:creationId xmlns:a16="http://schemas.microsoft.com/office/drawing/2014/main" id="{C9D831EE-AE21-402E-A317-F928D88A101E}"/>
               </a:ext>
             </a:extLst>
           </p:cNvPr>
@@ -12923,30 +12418,33 @@
           </p:nvPr>
         </p:nvSpPr>
         <p:spPr>
-          <a:xfrm>
-            <a:off x="451515" y="1734857"/>
-            <a:ext cx="3765483" cy="3388287"/>
-          </a:xfrm>
+          <a:effectLst>
+            <a:outerShdw blurRad="50800" dist="38100" dir="5400000" algn="t" rotWithShape="0">
+              <a:prstClr val="black">
+                <a:alpha val="40000"/>
+              </a:prstClr>
+            </a:outerShdw>
+          </a:effectLst>
         </p:spPr>
         <p:txBody>
-          <a:bodyPr anchor="ctr">
-            <a:normAutofit/>
+          <a:bodyPr vert="horz" lIns="91440" tIns="45720" rIns="91440" bIns="45720" rtlCol="0" anchor="b">
+            <a:noAutofit/>
           </a:bodyPr>
           <a:lstStyle/>
           <a:p>
             <a:r>
-              <a:rPr lang="es-ES" sz="3100"/>
-              <a:t>Agradecimientos</a:t>
+              <a:rPr lang="es-CO" sz="5400"/>
+              <a:t>Informe: Referencias</a:t>
             </a:r>
           </a:p>
         </p:txBody>
       </p:sp>
       <p:sp>
         <p:nvSpPr>
-          <p:cNvPr id="3" name="Marcador de contenido 2">
+          <p:cNvPr id="6" name="Marcador de contenido 5">
             <a:extLst>
               <a:ext uri="{FF2B5EF4-FFF2-40B4-BE49-F238E27FC236}">
-                <a16:creationId xmlns:a16="http://schemas.microsoft.com/office/drawing/2014/main" id="{54816D8E-B673-4F59-BD45-220D9737DF9E}"/>
+                <a16:creationId xmlns:a16="http://schemas.microsoft.com/office/drawing/2014/main" id="{81E6AC26-D78A-47F1-9EFA-A2429DFED43A}"/>
               </a:ext>
             </a:extLst>
           </p:cNvPr>
@@ -12959,20 +12457,74 @@
         </p:nvSpPr>
         <p:spPr>
           <a:xfrm>
-            <a:off x="6008068" y="978993"/>
-            <a:ext cx="5365218" cy="4900014"/>
+            <a:off x="818711" y="2222287"/>
+            <a:ext cx="10912077" cy="3636511"/>
           </a:xfrm>
-          <a:effectLst/>
         </p:spPr>
         <p:txBody>
           <a:bodyPr>
-            <a:normAutofit/>
+            <a:noAutofit/>
           </a:bodyPr>
           <a:lstStyle/>
           <a:p>
-            <a:r>
-              <a:rPr lang="es-ES" sz="2000"/>
-              <a:t>Si recibió ayuda de algún informe o de alguna persona, escriba de manera breve el aspecto en el que fue ayudado y nombre la persona o personas que contribuyeron a su trabajo.  </a:t>
+            <a:pPr marL="0" indent="0">
+              <a:buNone/>
+            </a:pPr>
+            <a:r>
+              <a:rPr lang="es-CO" dirty="0"/>
+              <a:t>Recuerden que se debe realizar en </a:t>
+            </a:r>
+            <a:r>
+              <a:rPr lang="es-CO" b="1" dirty="0"/>
+              <a:t>Formato IEEE</a:t>
+            </a:r>
+            <a:r>
+              <a:rPr lang="es-CO" dirty="0"/>
+              <a:t>,  deben ser </a:t>
+            </a:r>
+            <a:r>
+              <a:rPr lang="es-CO" b="1" dirty="0"/>
+              <a:t>mínimo 10 referencias </a:t>
+            </a:r>
+            <a:r>
+              <a:rPr lang="es-CO" dirty="0"/>
+              <a:t>y pueden hacer uso de diferentes herramientas:</a:t>
+            </a:r>
+          </a:p>
+          <a:p>
+            <a:pPr marL="0" indent="0">
+              <a:buNone/>
+            </a:pPr>
+            <a:endParaRPr lang="es-CO" dirty="0"/>
+          </a:p>
+          <a:p>
+            <a:r>
+              <a:rPr lang="es-CO" dirty="0"/>
+              <a:t>Componente de referencias directamente de Word y escogen como estilo IEEE.</a:t>
+            </a:r>
+          </a:p>
+          <a:p>
+            <a:r>
+              <a:rPr lang="es-CO" dirty="0"/>
+              <a:t>Mendeley con estilo IEEE (Esta aplicativo para Word y otros editores como </a:t>
+            </a:r>
+            <a:r>
+              <a:rPr lang="es-CO" dirty="0" err="1"/>
+              <a:t>Latex</a:t>
+            </a:r>
+            <a:r>
+              <a:rPr lang="es-CO" dirty="0"/>
+              <a:t>).</a:t>
+            </a:r>
+          </a:p>
+          <a:p>
+            <a:r>
+              <a:rPr lang="es-CO" dirty="0" err="1"/>
+              <a:t>Citethisforme</a:t>
+            </a:r>
+            <a:r>
+              <a:rPr lang="es-CO" dirty="0"/>
+              <a:t> (pagina de internet) con estilo IEEE (¡Tengan cuidado al usar esta aplicación!).</a:t>
             </a:r>
           </a:p>
         </p:txBody>
@@ -12980,7 +12532,7 @@
     </p:spTree>
     <p:extLst>
       <p:ext uri="{BB962C8B-B14F-4D97-AF65-F5344CB8AC3E}">
-        <p14:creationId xmlns:p14="http://schemas.microsoft.com/office/powerpoint/2010/main" val="3428575077"/>
+        <p14:creationId xmlns:p14="http://schemas.microsoft.com/office/powerpoint/2010/main" val="207371601"/>
       </p:ext>
     </p:extLst>
   </p:cSld>
@@ -13063,164 +12615,6 @@
         </p:nvSpPr>
         <p:spPr>
           <a:xfrm>
-            <a:off x="818711" y="2222287"/>
-            <a:ext cx="10912077" cy="3636511"/>
-          </a:xfrm>
-        </p:spPr>
-        <p:txBody>
-          <a:bodyPr>
-            <a:noAutofit/>
-          </a:bodyPr>
-          <a:lstStyle/>
-          <a:p>
-            <a:pPr marL="0" indent="0">
-              <a:buNone/>
-            </a:pPr>
-            <a:r>
-              <a:rPr lang="es-CO"/>
-              <a:t>Recuerden que se debe realizar en </a:t>
-            </a:r>
-            <a:r>
-              <a:rPr lang="es-CO" b="1"/>
-              <a:t>Formato IEEE</a:t>
-            </a:r>
-            <a:r>
-              <a:rPr lang="es-CO"/>
-              <a:t>,  deben ser </a:t>
-            </a:r>
-            <a:r>
-              <a:rPr lang="es-CO" b="1"/>
-              <a:t>mínimo 3 referencias </a:t>
-            </a:r>
-            <a:r>
-              <a:rPr lang="es-CO"/>
-              <a:t>y pueden hacer uso de diferentes herramientas:</a:t>
-            </a:r>
-          </a:p>
-          <a:p>
-            <a:pPr marL="0" indent="0">
-              <a:buNone/>
-            </a:pPr>
-            <a:endParaRPr lang="es-CO"/>
-          </a:p>
-          <a:p>
-            <a:r>
-              <a:rPr lang="es-CO"/>
-              <a:t>Componente de referencias directamente de Word y escogen como estilo IEEE.</a:t>
-            </a:r>
-          </a:p>
-          <a:p>
-            <a:r>
-              <a:rPr lang="es-CO"/>
-              <a:t>Mendeley con estilo IEEE (Esta aplicativo para Word y otros editores como </a:t>
-            </a:r>
-            <a:r>
-              <a:rPr lang="es-CO" err="1"/>
-              <a:t>Latex</a:t>
-            </a:r>
-            <a:r>
-              <a:rPr lang="es-CO"/>
-              <a:t>).</a:t>
-            </a:r>
-          </a:p>
-          <a:p>
-            <a:r>
-              <a:rPr lang="es-CO" err="1"/>
-              <a:t>Citethisforme</a:t>
-            </a:r>
-            <a:r>
-              <a:rPr lang="es-CO"/>
-              <a:t> (pagina de internet) con estilo IEEE (¡Tengan cuidado al usar esta aplicación!).</a:t>
-            </a:r>
-          </a:p>
-        </p:txBody>
-      </p:sp>
-    </p:spTree>
-    <p:extLst>
-      <p:ext uri="{BB962C8B-B14F-4D97-AF65-F5344CB8AC3E}">
-        <p14:creationId xmlns:p14="http://schemas.microsoft.com/office/powerpoint/2010/main" val="207371601"/>
-      </p:ext>
-    </p:extLst>
-  </p:cSld>
-  <p:clrMapOvr>
-    <a:masterClrMapping/>
-  </p:clrMapOvr>
-</p:sld>
-</file>
-
-<file path=ppt/slides/slide23.xml><?xml version="1.0" encoding="utf-8"?>
-<p:sld xmlns:a="http://schemas.openxmlformats.org/drawingml/2006/main" xmlns:r="http://schemas.openxmlformats.org/officeDocument/2006/relationships" xmlns:p="http://schemas.openxmlformats.org/presentationml/2006/main">
-  <p:cSld>
-    <p:spTree>
-      <p:nvGrpSpPr>
-        <p:cNvPr id="1" name=""/>
-        <p:cNvGrpSpPr/>
-        <p:nvPr/>
-      </p:nvGrpSpPr>
-      <p:grpSpPr>
-        <a:xfrm>
-          <a:off x="0" y="0"/>
-          <a:ext cx="0" cy="0"/>
-          <a:chOff x="0" y="0"/>
-          <a:chExt cx="0" cy="0"/>
-        </a:xfrm>
-      </p:grpSpPr>
-      <p:sp>
-        <p:nvSpPr>
-          <p:cNvPr id="4" name="Título 3">
-            <a:extLst>
-              <a:ext uri="{FF2B5EF4-FFF2-40B4-BE49-F238E27FC236}">
-                <a16:creationId xmlns:a16="http://schemas.microsoft.com/office/drawing/2014/main" id="{C9D831EE-AE21-402E-A317-F928D88A101E}"/>
-              </a:ext>
-            </a:extLst>
-          </p:cNvPr>
-          <p:cNvSpPr>
-            <a:spLocks noGrp="1"/>
-          </p:cNvSpPr>
-          <p:nvPr>
-            <p:ph type="title"/>
-          </p:nvPr>
-        </p:nvSpPr>
-        <p:spPr>
-          <a:effectLst>
-            <a:outerShdw blurRad="50800" dist="38100" dir="5400000" algn="t" rotWithShape="0">
-              <a:prstClr val="black">
-                <a:alpha val="40000"/>
-              </a:prstClr>
-            </a:outerShdw>
-          </a:effectLst>
-        </p:spPr>
-        <p:txBody>
-          <a:bodyPr vert="horz" lIns="91440" tIns="45720" rIns="91440" bIns="45720" rtlCol="0" anchor="b">
-            <a:noAutofit/>
-          </a:bodyPr>
-          <a:lstStyle/>
-          <a:p>
-            <a:r>
-              <a:rPr lang="es-CO" sz="5400"/>
-              <a:t>Informe: Referencias</a:t>
-            </a:r>
-          </a:p>
-        </p:txBody>
-      </p:sp>
-      <p:sp>
-        <p:nvSpPr>
-          <p:cNvPr id="6" name="Marcador de contenido 5">
-            <a:extLst>
-              <a:ext uri="{FF2B5EF4-FFF2-40B4-BE49-F238E27FC236}">
-                <a16:creationId xmlns:a16="http://schemas.microsoft.com/office/drawing/2014/main" id="{81E6AC26-D78A-47F1-9EFA-A2429DFED43A}"/>
-              </a:ext>
-            </a:extLst>
-          </p:cNvPr>
-          <p:cNvSpPr>
-            <a:spLocks noGrp="1"/>
-          </p:cNvSpPr>
-          <p:nvPr>
-            <p:ph idx="1"/>
-          </p:nvPr>
-        </p:nvSpPr>
-        <p:spPr>
-          <a:xfrm>
             <a:off x="818712" y="2222287"/>
             <a:ext cx="10554574" cy="4188525"/>
           </a:xfrm>
@@ -13359,7 +12753,7 @@
 </p:sld>
 </file>
 
-<file path=ppt/slides/slide24.xml><?xml version="1.0" encoding="utf-8"?>
+<file path=ppt/slides/slide23.xml><?xml version="1.0" encoding="utf-8"?>
 <p:sld xmlns:a="http://schemas.openxmlformats.org/drawingml/2006/main" xmlns:r="http://schemas.openxmlformats.org/officeDocument/2006/relationships" xmlns:p="http://schemas.openxmlformats.org/presentationml/2006/main">
   <p:cSld>
     <p:spTree>
@@ -13705,7 +13099,7 @@
           <a:effectLst/>
           <a:extLst>
             <a:ext uri="{91240B29-F687-4f45-9708-019B960494DF}">
-              <a14:hiddenLine xmlns="" xmlns:a16="http://schemas.microsoft.com/office/drawing/2014/main" xmlns:p14="http://schemas.microsoft.com/office/powerpoint/2010/main" xmlns:a14="http://schemas.microsoft.com/office/drawing/2010/main" w="9525">
+              <a14:hiddenLine xmlns:a14="http://schemas.microsoft.com/office/drawing/2010/main" xmlns:p14="http://schemas.microsoft.com/office/powerpoint/2010/main" xmlns:a16="http://schemas.microsoft.com/office/drawing/2014/main" xmlns="" w="9525">
                 <a:solidFill>
                   <a:srgbClr val="000000"/>
                 </a:solidFill>
@@ -13730,6 +13124,13 @@
             <a:schemeClr val="lt1"/>
           </a:fontRef>
         </p:style>
+        <p:txBody>
+          <a:bodyPr/>
+          <a:lstStyle/>
+          <a:p>
+            <a:endParaRPr lang="es-CO"/>
+          </a:p>
+        </p:txBody>
       </p:sp>
       <p:sp>
         <p:nvSpPr>
@@ -14386,10 +13787,10 @@
       </p:sp>
       <p:pic>
         <p:nvPicPr>
-          <p:cNvPr id="4" name="Imagen 3">
+          <p:cNvPr id="5" name="Imagen 4">
             <a:extLst>
               <a:ext uri="{FF2B5EF4-FFF2-40B4-BE49-F238E27FC236}">
-                <a16:creationId xmlns:a16="http://schemas.microsoft.com/office/drawing/2014/main" id="{8CCD7A81-31B2-484B-9F93-44A81DD5BAB0}"/>
+                <a16:creationId xmlns:a16="http://schemas.microsoft.com/office/drawing/2014/main" id="{BB75C98F-D5E3-A883-76BC-45EF97DF5402}"/>
               </a:ext>
             </a:extLst>
           </p:cNvPr>
@@ -14406,8 +13807,8 @@
         </p:blipFill>
         <p:spPr>
           <a:xfrm>
-            <a:off x="292040" y="1949302"/>
-            <a:ext cx="11089958" cy="4461510"/>
+            <a:off x="283658" y="2128656"/>
+            <a:ext cx="11624684" cy="4042724"/>
           </a:xfrm>
           <a:prstGeom prst="rect">
             <a:avLst/>
@@ -14851,7 +14252,7 @@
           <a:effectLst/>
           <a:extLst>
             <a:ext uri="{91240B29-F687-4f45-9708-019B960494DF}">
-              <a14:hiddenLine xmlns:a14="http://schemas.microsoft.com/office/drawing/2010/main" xmlns:p14="http://schemas.microsoft.com/office/powerpoint/2010/main" xmlns:a16="http://schemas.microsoft.com/office/drawing/2014/main" xmlns="" w="9525">
+              <a14:hiddenLine xmlns="" xmlns:a16="http://schemas.microsoft.com/office/drawing/2014/main" xmlns:p14="http://schemas.microsoft.com/office/powerpoint/2010/main" xmlns:a14="http://schemas.microsoft.com/office/drawing/2010/main" w="9525">
                 <a:solidFill>
                   <a:srgbClr val="000000"/>
                 </a:solidFill>
@@ -14876,6 +14277,13 @@
             <a:schemeClr val="lt1"/>
           </a:fontRef>
         </p:style>
+        <p:txBody>
+          <a:bodyPr/>
+          <a:lstStyle/>
+          <a:p>
+            <a:endParaRPr lang="es-CO"/>
+          </a:p>
+        </p:txBody>
       </p:sp>
       <p:sp>
         <p:nvSpPr>
@@ -15372,7 +14780,7 @@
           <a:effectLst/>
           <a:extLst>
             <a:ext uri="{91240B29-F687-4f45-9708-019B960494DF}">
-              <a14:hiddenLine xmlns="" xmlns:a16="http://schemas.microsoft.com/office/drawing/2014/main" xmlns:p14="http://schemas.microsoft.com/office/powerpoint/2010/main" xmlns:a14="http://schemas.microsoft.com/office/drawing/2010/main" w="9525">
+              <a14:hiddenLine xmlns:a14="http://schemas.microsoft.com/office/drawing/2010/main" xmlns:p14="http://schemas.microsoft.com/office/powerpoint/2010/main" xmlns:a16="http://schemas.microsoft.com/office/drawing/2014/main" xmlns="" w="9525">
                 <a:solidFill>
                   <a:srgbClr val="000000"/>
                 </a:solidFill>
@@ -15397,6 +14805,13 @@
             <a:schemeClr val="lt1"/>
           </a:fontRef>
         </p:style>
+        <p:txBody>
+          <a:bodyPr/>
+          <a:lstStyle/>
+          <a:p>
+            <a:endParaRPr lang="es-CO"/>
+          </a:p>
+        </p:txBody>
       </p:sp>
       <p:sp>
         <p:nvSpPr>
@@ -16285,12 +15700,6 @@
 </file>
 
 <file path=customXml/item2.xml><?xml version="1.0" encoding="utf-8"?>
-<p:properties xmlns:p="http://schemas.microsoft.com/office/2006/metadata/properties" xmlns:xsi="http://www.w3.org/2001/XMLSchema-instance" xmlns:pc="http://schemas.microsoft.com/office/infopath/2007/PartnerControls">
-  <documentManagement/>
-</p:properties>
-</file>
-
-<file path=customXml/item3.xml><?xml version="1.0" encoding="utf-8"?>
 <ct:contentTypeSchema xmlns:ct="http://schemas.microsoft.com/office/2006/metadata/contentType" xmlns:ma="http://schemas.microsoft.com/office/2006/metadata/properties/metaAttributes" ct:_="" ma:_="" ma:contentTypeName="Documento" ma:contentTypeID="0x0101001020E3BC4D9E5946B8519EC903E1D2D8" ma:contentTypeVersion="15" ma:contentTypeDescription="Crear nuevo documento." ma:contentTypeScope="" ma:versionID="4719fff4955102ae711269344ae484da">
   <xsd:schema xmlns:xsd="http://www.w3.org/2001/XMLSchema" xmlns:xs="http://www.w3.org/2001/XMLSchema" xmlns:p="http://schemas.microsoft.com/office/2006/metadata/properties" xmlns:ns3="fa7e26b2-5651-4109-9bcc-4045094b0554" xmlns:ns4="485f0894-4906-4cf0-9a07-40bae8ee7744" targetNamespace="http://schemas.microsoft.com/office/2006/metadata/properties" ma:root="true" ma:fieldsID="fe73d84c0504b0bb90205ded51ea2971" ns3:_="" ns4:_="">
     <xsd:import namespace="fa7e26b2-5651-4109-9bcc-4045094b0554"/>
@@ -16527,6 +15936,12 @@
 </ct:contentTypeSchema>
 </file>
 
+<file path=customXml/item3.xml><?xml version="1.0" encoding="utf-8"?>
+<p:properties xmlns:p="http://schemas.microsoft.com/office/2006/metadata/properties" xmlns:xsi="http://www.w3.org/2001/XMLSchema-instance" xmlns:pc="http://schemas.microsoft.com/office/infopath/2007/PartnerControls">
+  <documentManagement/>
+</p:properties>
+</file>
+
 <file path=customXml/itemProps1.xml><?xml version="1.0" encoding="utf-8"?>
 <ds:datastoreItem xmlns:ds="http://schemas.openxmlformats.org/officeDocument/2006/customXml" ds:itemID="{24B4797D-7DA7-438F-8BFF-C4C01E4F2603}">
   <ds:schemaRefs>
@@ -16536,23 +15951,6 @@
 </file>
 
 <file path=customXml/itemProps2.xml><?xml version="1.0" encoding="utf-8"?>
-<ds:datastoreItem xmlns:ds="http://schemas.openxmlformats.org/officeDocument/2006/customXml" ds:itemID="{655EF951-973D-4B0E-BD1B-2E4A36B35B03}">
-  <ds:schemaRefs>
-    <ds:schemaRef ds:uri="485f0894-4906-4cf0-9a07-40bae8ee7744"/>
-    <ds:schemaRef ds:uri="http://purl.org/dc/dcmitype/"/>
-    <ds:schemaRef ds:uri="http://schemas.openxmlformats.org/package/2006/metadata/core-properties"/>
-    <ds:schemaRef ds:uri="http://purl.org/dc/terms/"/>
-    <ds:schemaRef ds:uri="http://www.w3.org/XML/1998/namespace"/>
-    <ds:schemaRef ds:uri="http://schemas.microsoft.com/office/2006/metadata/properties"/>
-    <ds:schemaRef ds:uri="http://purl.org/dc/elements/1.1/"/>
-    <ds:schemaRef ds:uri="http://schemas.microsoft.com/office/2006/documentManagement/types"/>
-    <ds:schemaRef ds:uri="http://schemas.microsoft.com/office/infopath/2007/PartnerControls"/>
-    <ds:schemaRef ds:uri="fa7e26b2-5651-4109-9bcc-4045094b0554"/>
-  </ds:schemaRefs>
-</ds:datastoreItem>
-</file>
-
-<file path=customXml/itemProps3.xml><?xml version="1.0" encoding="utf-8"?>
 <ds:datastoreItem xmlns:ds="http://schemas.openxmlformats.org/officeDocument/2006/customXml" ds:itemID="{198014F9-31BF-40EB-8225-98A69F74B6D1}">
   <ds:schemaRefs>
     <ds:schemaRef ds:uri="485f0894-4906-4cf0-9a07-40bae8ee7744"/>
@@ -16569,4 +15967,21 @@
     <ds:schemaRef ds:uri="http://www.w3.org/2001/XMLSchema"/>
   </ds:schemaRefs>
 </ds:datastoreItem>
+</file>
+
+<file path=customXml/itemProps3.xml><?xml version="1.0" encoding="utf-8"?>
+<ds:datastoreItem xmlns:ds="http://schemas.openxmlformats.org/officeDocument/2006/customXml" ds:itemID="{655EF951-973D-4B0E-BD1B-2E4A36B35B03}">
+  <ds:schemaRefs>
+    <ds:schemaRef ds:uri="485f0894-4906-4cf0-9a07-40bae8ee7744"/>
+    <ds:schemaRef ds:uri="http://purl.org/dc/dcmitype/"/>
+    <ds:schemaRef ds:uri="http://schemas.openxmlformats.org/package/2006/metadata/core-properties"/>
+    <ds:schemaRef ds:uri="http://purl.org/dc/terms/"/>
+    <ds:schemaRef ds:uri="http://www.w3.org/XML/1998/namespace"/>
+    <ds:schemaRef ds:uri="http://schemas.microsoft.com/office/2006/metadata/properties"/>
+    <ds:schemaRef ds:uri="http://purl.org/dc/elements/1.1/"/>
+    <ds:schemaRef ds:uri="http://schemas.microsoft.com/office/2006/documentManagement/types"/>
+    <ds:schemaRef ds:uri="http://schemas.microsoft.com/office/infopath/2007/PartnerControls"/>
+    <ds:schemaRef ds:uri="fa7e26b2-5651-4109-9bcc-4045094b0554"/>
+  </ds:schemaRefs>
+</ds:datastoreItem>
 </file>